--- a/ppt 16-9/1124.预备迎见住.pptx
+++ b/ppt 16-9/1124.预备迎见住.pptx
@@ -5,7 +5,7 @@
     <p:sldMasterId id="2147483648" r:id="rId1"/>
   </p:sldMasterIdLst>
   <p:sldIdLst>
-    <p:sldId id="604" r:id="rId2"/>
+    <p:sldId id="606" r:id="rId2"/>
   </p:sldIdLst>
   <p:sldSz cx="12192000" cy="6858000"/>
   <p:notesSz cx="6858000" cy="9144000"/>
@@ -129,7 +129,7 @@
           <p:cNvPr id="2" name="标题 1">
             <a:extLst>
               <a:ext uri="{FF2B5EF4-FFF2-40B4-BE49-F238E27FC236}">
-                <a16:creationId xmlns:a16="http://schemas.microsoft.com/office/drawing/2014/main" id="{7512E180-A95E-2E7A-5EA3-393CA0904B34}"/>
+                <a16:creationId xmlns:a16="http://schemas.microsoft.com/office/drawing/2014/main" id="{D5F463F6-2E20-1DA1-E6DA-DFF64C6B9FB3}"/>
               </a:ext>
             </a:extLst>
           </p:cNvPr>
@@ -166,7 +166,7 @@
           <p:cNvPr id="3" name="副标题 2">
             <a:extLst>
               <a:ext uri="{FF2B5EF4-FFF2-40B4-BE49-F238E27FC236}">
-                <a16:creationId xmlns:a16="http://schemas.microsoft.com/office/drawing/2014/main" id="{E69904C1-65DD-5F0B-B018-843C548A5C60}"/>
+                <a16:creationId xmlns:a16="http://schemas.microsoft.com/office/drawing/2014/main" id="{A05D9DB6-7B82-70AD-0E25-03F646FAEEF6}"/>
               </a:ext>
             </a:extLst>
           </p:cNvPr>
@@ -236,7 +236,7 @@
           <p:cNvPr id="4" name="日期占位符 3">
             <a:extLst>
               <a:ext uri="{FF2B5EF4-FFF2-40B4-BE49-F238E27FC236}">
-                <a16:creationId xmlns:a16="http://schemas.microsoft.com/office/drawing/2014/main" id="{131BF70E-1E86-5669-CA9C-86C88A3DC591}"/>
+                <a16:creationId xmlns:a16="http://schemas.microsoft.com/office/drawing/2014/main" id="{4F728704-7E52-F2C1-5399-DB805BE3C2E8}"/>
               </a:ext>
             </a:extLst>
           </p:cNvPr>
@@ -252,7 +252,7 @@
           <a:bodyPr/>
           <a:lstStyle/>
           <a:p>
-            <a:fld id="{6A584206-A3AA-4BA5-9997-157E8D55ED0B}" type="datetimeFigureOut">
+            <a:fld id="{7EE644C3-BB67-403E-B0DE-C23AA19B76BA}" type="datetimeFigureOut">
               <a:rPr lang="zh-CN" altLang="en-US" smtClean="0"/>
               <a:t>2024/3/10</a:t>
             </a:fld>
@@ -265,7 +265,7 @@
           <p:cNvPr id="5" name="页脚占位符 4">
             <a:extLst>
               <a:ext uri="{FF2B5EF4-FFF2-40B4-BE49-F238E27FC236}">
-                <a16:creationId xmlns:a16="http://schemas.microsoft.com/office/drawing/2014/main" id="{D9039A82-CF1B-5D44-4370-F2932667FFE2}"/>
+                <a16:creationId xmlns:a16="http://schemas.microsoft.com/office/drawing/2014/main" id="{2924C9F2-3254-8B33-2118-062B55226DBD}"/>
               </a:ext>
             </a:extLst>
           </p:cNvPr>
@@ -290,7 +290,7 @@
           <p:cNvPr id="6" name="灯片编号占位符 5">
             <a:extLst>
               <a:ext uri="{FF2B5EF4-FFF2-40B4-BE49-F238E27FC236}">
-                <a16:creationId xmlns:a16="http://schemas.microsoft.com/office/drawing/2014/main" id="{B4AFB077-6C79-1622-5C14-6FCECF03DCBD}"/>
+                <a16:creationId xmlns:a16="http://schemas.microsoft.com/office/drawing/2014/main" id="{7BC7BE47-FD01-C69E-5E9E-E3D243715C7C}"/>
               </a:ext>
             </a:extLst>
           </p:cNvPr>
@@ -306,7 +306,7 @@
           <a:bodyPr/>
           <a:lstStyle/>
           <a:p>
-            <a:fld id="{523BE4B5-EFF1-41EC-AE6A-F0E44DDCA253}" type="slidenum">
+            <a:fld id="{0BC9BB58-9062-490A-8B61-ED95DCEE6E41}" type="slidenum">
               <a:rPr lang="zh-CN" altLang="en-US" smtClean="0"/>
               <a:t>‹#›</a:t>
             </a:fld>
@@ -317,7 +317,7 @@
     </p:spTree>
     <p:extLst>
       <p:ext uri="{BB962C8B-B14F-4D97-AF65-F5344CB8AC3E}">
-        <p14:creationId xmlns:p14="http://schemas.microsoft.com/office/powerpoint/2010/main" val="1738194232"/>
+        <p14:creationId xmlns:p14="http://schemas.microsoft.com/office/powerpoint/2010/main" val="663140109"/>
       </p:ext>
     </p:extLst>
   </p:cSld>
@@ -349,7 +349,7 @@
           <p:cNvPr id="2" name="标题 1">
             <a:extLst>
               <a:ext uri="{FF2B5EF4-FFF2-40B4-BE49-F238E27FC236}">
-                <a16:creationId xmlns:a16="http://schemas.microsoft.com/office/drawing/2014/main" id="{C2A5BDDE-3147-7FF2-1CA2-7ED586EB1024}"/>
+                <a16:creationId xmlns:a16="http://schemas.microsoft.com/office/drawing/2014/main" id="{6FC3BF71-B7C9-BB7B-537F-77DC55863466}"/>
               </a:ext>
             </a:extLst>
           </p:cNvPr>
@@ -377,7 +377,7 @@
           <p:cNvPr id="3" name="竖排文字占位符 2">
             <a:extLst>
               <a:ext uri="{FF2B5EF4-FFF2-40B4-BE49-F238E27FC236}">
-                <a16:creationId xmlns:a16="http://schemas.microsoft.com/office/drawing/2014/main" id="{6C3D7809-1718-3F5C-337D-E83D5166BDC2}"/>
+                <a16:creationId xmlns:a16="http://schemas.microsoft.com/office/drawing/2014/main" id="{A5790BAB-9EFB-7FE9-F537-D7D57652E3BE}"/>
               </a:ext>
             </a:extLst>
           </p:cNvPr>
@@ -434,7 +434,7 @@
           <p:cNvPr id="4" name="日期占位符 3">
             <a:extLst>
               <a:ext uri="{FF2B5EF4-FFF2-40B4-BE49-F238E27FC236}">
-                <a16:creationId xmlns:a16="http://schemas.microsoft.com/office/drawing/2014/main" id="{FA3E8D2E-A614-CACB-5D94-6E7CF1E9586A}"/>
+                <a16:creationId xmlns:a16="http://schemas.microsoft.com/office/drawing/2014/main" id="{3AFB0C56-974F-2AFD-D3C2-CE7B539D4C14}"/>
               </a:ext>
             </a:extLst>
           </p:cNvPr>
@@ -450,7 +450,7 @@
           <a:bodyPr/>
           <a:lstStyle/>
           <a:p>
-            <a:fld id="{6A584206-A3AA-4BA5-9997-157E8D55ED0B}" type="datetimeFigureOut">
+            <a:fld id="{7EE644C3-BB67-403E-B0DE-C23AA19B76BA}" type="datetimeFigureOut">
               <a:rPr lang="zh-CN" altLang="en-US" smtClean="0"/>
               <a:t>2024/3/10</a:t>
             </a:fld>
@@ -463,7 +463,7 @@
           <p:cNvPr id="5" name="页脚占位符 4">
             <a:extLst>
               <a:ext uri="{FF2B5EF4-FFF2-40B4-BE49-F238E27FC236}">
-                <a16:creationId xmlns:a16="http://schemas.microsoft.com/office/drawing/2014/main" id="{BBE72E89-70EF-3369-B198-6B45C9EABECB}"/>
+                <a16:creationId xmlns:a16="http://schemas.microsoft.com/office/drawing/2014/main" id="{10D5D01B-C778-9EE1-7280-F8F82C6245FA}"/>
               </a:ext>
             </a:extLst>
           </p:cNvPr>
@@ -488,7 +488,7 @@
           <p:cNvPr id="6" name="灯片编号占位符 5">
             <a:extLst>
               <a:ext uri="{FF2B5EF4-FFF2-40B4-BE49-F238E27FC236}">
-                <a16:creationId xmlns:a16="http://schemas.microsoft.com/office/drawing/2014/main" id="{1830B77C-3A82-0748-2777-147F33E46F49}"/>
+                <a16:creationId xmlns:a16="http://schemas.microsoft.com/office/drawing/2014/main" id="{573549D1-6863-21A4-9C08-E9FCBE5A1809}"/>
               </a:ext>
             </a:extLst>
           </p:cNvPr>
@@ -504,7 +504,7 @@
           <a:bodyPr/>
           <a:lstStyle/>
           <a:p>
-            <a:fld id="{523BE4B5-EFF1-41EC-AE6A-F0E44DDCA253}" type="slidenum">
+            <a:fld id="{0BC9BB58-9062-490A-8B61-ED95DCEE6E41}" type="slidenum">
               <a:rPr lang="zh-CN" altLang="en-US" smtClean="0"/>
               <a:t>‹#›</a:t>
             </a:fld>
@@ -515,7 +515,7 @@
     </p:spTree>
     <p:extLst>
       <p:ext uri="{BB962C8B-B14F-4D97-AF65-F5344CB8AC3E}">
-        <p14:creationId xmlns:p14="http://schemas.microsoft.com/office/powerpoint/2010/main" val="1607243351"/>
+        <p14:creationId xmlns:p14="http://schemas.microsoft.com/office/powerpoint/2010/main" val="3600178373"/>
       </p:ext>
     </p:extLst>
   </p:cSld>
@@ -547,7 +547,7 @@
           <p:cNvPr id="2" name="竖排标题 1">
             <a:extLst>
               <a:ext uri="{FF2B5EF4-FFF2-40B4-BE49-F238E27FC236}">
-                <a16:creationId xmlns:a16="http://schemas.microsoft.com/office/drawing/2014/main" id="{ED5E7392-697D-B2C5-6F8C-62861F5A05A0}"/>
+                <a16:creationId xmlns:a16="http://schemas.microsoft.com/office/drawing/2014/main" id="{1429C081-9ED6-5784-E135-E1193EA7815A}"/>
               </a:ext>
             </a:extLst>
           </p:cNvPr>
@@ -580,7 +580,7 @@
           <p:cNvPr id="3" name="竖排文字占位符 2">
             <a:extLst>
               <a:ext uri="{FF2B5EF4-FFF2-40B4-BE49-F238E27FC236}">
-                <a16:creationId xmlns:a16="http://schemas.microsoft.com/office/drawing/2014/main" id="{0E2EDB22-CF46-8183-8899-F14EEB380188}"/>
+                <a16:creationId xmlns:a16="http://schemas.microsoft.com/office/drawing/2014/main" id="{98720EB1-1B88-CE04-C5D5-4EAB78B9BB4A}"/>
               </a:ext>
             </a:extLst>
           </p:cNvPr>
@@ -642,7 +642,7 @@
           <p:cNvPr id="4" name="日期占位符 3">
             <a:extLst>
               <a:ext uri="{FF2B5EF4-FFF2-40B4-BE49-F238E27FC236}">
-                <a16:creationId xmlns:a16="http://schemas.microsoft.com/office/drawing/2014/main" id="{5B2DD885-8A0D-DE3E-C8D4-F2945FE85D58}"/>
+                <a16:creationId xmlns:a16="http://schemas.microsoft.com/office/drawing/2014/main" id="{371BDD24-9A35-52EA-17B2-06C71A6335F4}"/>
               </a:ext>
             </a:extLst>
           </p:cNvPr>
@@ -658,7 +658,7 @@
           <a:bodyPr/>
           <a:lstStyle/>
           <a:p>
-            <a:fld id="{6A584206-A3AA-4BA5-9997-157E8D55ED0B}" type="datetimeFigureOut">
+            <a:fld id="{7EE644C3-BB67-403E-B0DE-C23AA19B76BA}" type="datetimeFigureOut">
               <a:rPr lang="zh-CN" altLang="en-US" smtClean="0"/>
               <a:t>2024/3/10</a:t>
             </a:fld>
@@ -671,7 +671,7 @@
           <p:cNvPr id="5" name="页脚占位符 4">
             <a:extLst>
               <a:ext uri="{FF2B5EF4-FFF2-40B4-BE49-F238E27FC236}">
-                <a16:creationId xmlns:a16="http://schemas.microsoft.com/office/drawing/2014/main" id="{76B204D4-E87D-2910-210C-326149FAC58F}"/>
+                <a16:creationId xmlns:a16="http://schemas.microsoft.com/office/drawing/2014/main" id="{EE09084B-3EFF-DFBF-1830-7CAABF94CA0E}"/>
               </a:ext>
             </a:extLst>
           </p:cNvPr>
@@ -696,7 +696,7 @@
           <p:cNvPr id="6" name="灯片编号占位符 5">
             <a:extLst>
               <a:ext uri="{FF2B5EF4-FFF2-40B4-BE49-F238E27FC236}">
-                <a16:creationId xmlns:a16="http://schemas.microsoft.com/office/drawing/2014/main" id="{542D23AC-B16C-EC69-2CB2-CDC5A8678085}"/>
+                <a16:creationId xmlns:a16="http://schemas.microsoft.com/office/drawing/2014/main" id="{DA449DA5-03D3-3B2E-317D-7140269061F5}"/>
               </a:ext>
             </a:extLst>
           </p:cNvPr>
@@ -712,7 +712,7 @@
           <a:bodyPr/>
           <a:lstStyle/>
           <a:p>
-            <a:fld id="{523BE4B5-EFF1-41EC-AE6A-F0E44DDCA253}" type="slidenum">
+            <a:fld id="{0BC9BB58-9062-490A-8B61-ED95DCEE6E41}" type="slidenum">
               <a:rPr lang="zh-CN" altLang="en-US" smtClean="0"/>
               <a:t>‹#›</a:t>
             </a:fld>
@@ -723,7 +723,7 @@
     </p:spTree>
     <p:extLst>
       <p:ext uri="{BB962C8B-B14F-4D97-AF65-F5344CB8AC3E}">
-        <p14:creationId xmlns:p14="http://schemas.microsoft.com/office/powerpoint/2010/main" val="1884199695"/>
+        <p14:creationId xmlns:p14="http://schemas.microsoft.com/office/powerpoint/2010/main" val="3401626251"/>
       </p:ext>
     </p:extLst>
   </p:cSld>
@@ -755,7 +755,7 @@
           <p:cNvPr id="2" name="标题 1">
             <a:extLst>
               <a:ext uri="{FF2B5EF4-FFF2-40B4-BE49-F238E27FC236}">
-                <a16:creationId xmlns:a16="http://schemas.microsoft.com/office/drawing/2014/main" id="{FE06F8E1-FABF-4CDC-977E-9B4E14812A80}"/>
+                <a16:creationId xmlns:a16="http://schemas.microsoft.com/office/drawing/2014/main" id="{C825DE3B-6E2D-D87B-156B-3C451BF7AF64}"/>
               </a:ext>
             </a:extLst>
           </p:cNvPr>
@@ -783,7 +783,7 @@
           <p:cNvPr id="3" name="内容占位符 2">
             <a:extLst>
               <a:ext uri="{FF2B5EF4-FFF2-40B4-BE49-F238E27FC236}">
-                <a16:creationId xmlns:a16="http://schemas.microsoft.com/office/drawing/2014/main" id="{0A5886FB-57A6-2371-8A0F-3DDD72DA25AF}"/>
+                <a16:creationId xmlns:a16="http://schemas.microsoft.com/office/drawing/2014/main" id="{345842ED-0353-17C9-C327-705AD0C78F9F}"/>
               </a:ext>
             </a:extLst>
           </p:cNvPr>
@@ -840,7 +840,7 @@
           <p:cNvPr id="4" name="日期占位符 3">
             <a:extLst>
               <a:ext uri="{FF2B5EF4-FFF2-40B4-BE49-F238E27FC236}">
-                <a16:creationId xmlns:a16="http://schemas.microsoft.com/office/drawing/2014/main" id="{A5C35AE4-F89C-9724-840C-D489A448FCF1}"/>
+                <a16:creationId xmlns:a16="http://schemas.microsoft.com/office/drawing/2014/main" id="{BBF17075-246D-24AC-4440-5807395CFDF1}"/>
               </a:ext>
             </a:extLst>
           </p:cNvPr>
@@ -856,7 +856,7 @@
           <a:bodyPr/>
           <a:lstStyle/>
           <a:p>
-            <a:fld id="{6A584206-A3AA-4BA5-9997-157E8D55ED0B}" type="datetimeFigureOut">
+            <a:fld id="{7EE644C3-BB67-403E-B0DE-C23AA19B76BA}" type="datetimeFigureOut">
               <a:rPr lang="zh-CN" altLang="en-US" smtClean="0"/>
               <a:t>2024/3/10</a:t>
             </a:fld>
@@ -869,7 +869,7 @@
           <p:cNvPr id="5" name="页脚占位符 4">
             <a:extLst>
               <a:ext uri="{FF2B5EF4-FFF2-40B4-BE49-F238E27FC236}">
-                <a16:creationId xmlns:a16="http://schemas.microsoft.com/office/drawing/2014/main" id="{82AE9EB2-A0BE-4A00-D2DF-EBB9CB462B81}"/>
+                <a16:creationId xmlns:a16="http://schemas.microsoft.com/office/drawing/2014/main" id="{AC52616B-338A-D2C4-39BF-7319F5091A3D}"/>
               </a:ext>
             </a:extLst>
           </p:cNvPr>
@@ -894,7 +894,7 @@
           <p:cNvPr id="6" name="灯片编号占位符 5">
             <a:extLst>
               <a:ext uri="{FF2B5EF4-FFF2-40B4-BE49-F238E27FC236}">
-                <a16:creationId xmlns:a16="http://schemas.microsoft.com/office/drawing/2014/main" id="{6D93FAD1-4D5D-2520-9E83-E7D0F341080F}"/>
+                <a16:creationId xmlns:a16="http://schemas.microsoft.com/office/drawing/2014/main" id="{776C7F08-FD4C-4B11-5260-98BDB3FC3EA3}"/>
               </a:ext>
             </a:extLst>
           </p:cNvPr>
@@ -910,7 +910,7 @@
           <a:bodyPr/>
           <a:lstStyle/>
           <a:p>
-            <a:fld id="{523BE4B5-EFF1-41EC-AE6A-F0E44DDCA253}" type="slidenum">
+            <a:fld id="{0BC9BB58-9062-490A-8B61-ED95DCEE6E41}" type="slidenum">
               <a:rPr lang="zh-CN" altLang="en-US" smtClean="0"/>
               <a:t>‹#›</a:t>
             </a:fld>
@@ -921,7 +921,7 @@
     </p:spTree>
     <p:extLst>
       <p:ext uri="{BB962C8B-B14F-4D97-AF65-F5344CB8AC3E}">
-        <p14:creationId xmlns:p14="http://schemas.microsoft.com/office/powerpoint/2010/main" val="138877596"/>
+        <p14:creationId xmlns:p14="http://schemas.microsoft.com/office/powerpoint/2010/main" val="3797302338"/>
       </p:ext>
     </p:extLst>
   </p:cSld>
@@ -953,7 +953,7 @@
           <p:cNvPr id="2" name="标题 1">
             <a:extLst>
               <a:ext uri="{FF2B5EF4-FFF2-40B4-BE49-F238E27FC236}">
-                <a16:creationId xmlns:a16="http://schemas.microsoft.com/office/drawing/2014/main" id="{B0F1204E-F2BE-90F7-9B8E-F166119CC96F}"/>
+                <a16:creationId xmlns:a16="http://schemas.microsoft.com/office/drawing/2014/main" id="{1525C7C3-2E97-855F-91B9-D897F9A89759}"/>
               </a:ext>
             </a:extLst>
           </p:cNvPr>
@@ -990,7 +990,7 @@
           <p:cNvPr id="3" name="文本占位符 2">
             <a:extLst>
               <a:ext uri="{FF2B5EF4-FFF2-40B4-BE49-F238E27FC236}">
-                <a16:creationId xmlns:a16="http://schemas.microsoft.com/office/drawing/2014/main" id="{0B48B7A3-AE96-01C2-E6D2-C27771739112}"/>
+                <a16:creationId xmlns:a16="http://schemas.microsoft.com/office/drawing/2014/main" id="{739AAA37-AC33-76F0-C7DC-1934BE8E0CA9}"/>
               </a:ext>
             </a:extLst>
           </p:cNvPr>
@@ -1115,7 +1115,7 @@
           <p:cNvPr id="4" name="日期占位符 3">
             <a:extLst>
               <a:ext uri="{FF2B5EF4-FFF2-40B4-BE49-F238E27FC236}">
-                <a16:creationId xmlns:a16="http://schemas.microsoft.com/office/drawing/2014/main" id="{AE891D15-E37C-8B15-7E10-58C0B1FBC2F2}"/>
+                <a16:creationId xmlns:a16="http://schemas.microsoft.com/office/drawing/2014/main" id="{B284BA31-344F-D99B-BBF9-2ADF8965AB5C}"/>
               </a:ext>
             </a:extLst>
           </p:cNvPr>
@@ -1131,7 +1131,7 @@
           <a:bodyPr/>
           <a:lstStyle/>
           <a:p>
-            <a:fld id="{6A584206-A3AA-4BA5-9997-157E8D55ED0B}" type="datetimeFigureOut">
+            <a:fld id="{7EE644C3-BB67-403E-B0DE-C23AA19B76BA}" type="datetimeFigureOut">
               <a:rPr lang="zh-CN" altLang="en-US" smtClean="0"/>
               <a:t>2024/3/10</a:t>
             </a:fld>
@@ -1144,7 +1144,7 @@
           <p:cNvPr id="5" name="页脚占位符 4">
             <a:extLst>
               <a:ext uri="{FF2B5EF4-FFF2-40B4-BE49-F238E27FC236}">
-                <a16:creationId xmlns:a16="http://schemas.microsoft.com/office/drawing/2014/main" id="{F79DE9E6-CB7A-C26B-6CB2-B5F9D73A661C}"/>
+                <a16:creationId xmlns:a16="http://schemas.microsoft.com/office/drawing/2014/main" id="{341C386E-7C9F-A45F-02BA-014362176B2A}"/>
               </a:ext>
             </a:extLst>
           </p:cNvPr>
@@ -1169,7 +1169,7 @@
           <p:cNvPr id="6" name="灯片编号占位符 5">
             <a:extLst>
               <a:ext uri="{FF2B5EF4-FFF2-40B4-BE49-F238E27FC236}">
-                <a16:creationId xmlns:a16="http://schemas.microsoft.com/office/drawing/2014/main" id="{EE29398A-5E6A-ED43-916E-24E0C432A912}"/>
+                <a16:creationId xmlns:a16="http://schemas.microsoft.com/office/drawing/2014/main" id="{F1A16517-F5B4-C5EE-EF39-078AA5385B72}"/>
               </a:ext>
             </a:extLst>
           </p:cNvPr>
@@ -1185,7 +1185,7 @@
           <a:bodyPr/>
           <a:lstStyle/>
           <a:p>
-            <a:fld id="{523BE4B5-EFF1-41EC-AE6A-F0E44DDCA253}" type="slidenum">
+            <a:fld id="{0BC9BB58-9062-490A-8B61-ED95DCEE6E41}" type="slidenum">
               <a:rPr lang="zh-CN" altLang="en-US" smtClean="0"/>
               <a:t>‹#›</a:t>
             </a:fld>
@@ -1196,7 +1196,7 @@
     </p:spTree>
     <p:extLst>
       <p:ext uri="{BB962C8B-B14F-4D97-AF65-F5344CB8AC3E}">
-        <p14:creationId xmlns:p14="http://schemas.microsoft.com/office/powerpoint/2010/main" val="31124763"/>
+        <p14:creationId xmlns:p14="http://schemas.microsoft.com/office/powerpoint/2010/main" val="599935553"/>
       </p:ext>
     </p:extLst>
   </p:cSld>
@@ -1228,7 +1228,7 @@
           <p:cNvPr id="2" name="标题 1">
             <a:extLst>
               <a:ext uri="{FF2B5EF4-FFF2-40B4-BE49-F238E27FC236}">
-                <a16:creationId xmlns:a16="http://schemas.microsoft.com/office/drawing/2014/main" id="{AF8FB672-045D-89E1-7599-1D71F8FECDFE}"/>
+                <a16:creationId xmlns:a16="http://schemas.microsoft.com/office/drawing/2014/main" id="{025B0104-FECD-1C6B-51CD-E21B453D47F1}"/>
               </a:ext>
             </a:extLst>
           </p:cNvPr>
@@ -1256,7 +1256,7 @@
           <p:cNvPr id="3" name="内容占位符 2">
             <a:extLst>
               <a:ext uri="{FF2B5EF4-FFF2-40B4-BE49-F238E27FC236}">
-                <a16:creationId xmlns:a16="http://schemas.microsoft.com/office/drawing/2014/main" id="{825E0764-B4DE-A001-580A-CB7661290D73}"/>
+                <a16:creationId xmlns:a16="http://schemas.microsoft.com/office/drawing/2014/main" id="{64409B24-9E47-6DF6-E4A9-E51432F63EEB}"/>
               </a:ext>
             </a:extLst>
           </p:cNvPr>
@@ -1318,7 +1318,7 @@
           <p:cNvPr id="4" name="内容占位符 3">
             <a:extLst>
               <a:ext uri="{FF2B5EF4-FFF2-40B4-BE49-F238E27FC236}">
-                <a16:creationId xmlns:a16="http://schemas.microsoft.com/office/drawing/2014/main" id="{0ECE9BD5-7314-5542-DC8B-738562E4AE20}"/>
+                <a16:creationId xmlns:a16="http://schemas.microsoft.com/office/drawing/2014/main" id="{A4EC83E4-BE1C-C296-8628-8920FA64A457}"/>
               </a:ext>
             </a:extLst>
           </p:cNvPr>
@@ -1380,7 +1380,7 @@
           <p:cNvPr id="5" name="日期占位符 4">
             <a:extLst>
               <a:ext uri="{FF2B5EF4-FFF2-40B4-BE49-F238E27FC236}">
-                <a16:creationId xmlns:a16="http://schemas.microsoft.com/office/drawing/2014/main" id="{F76FB52B-9E90-4AC5-F47E-9E0C7054D76F}"/>
+                <a16:creationId xmlns:a16="http://schemas.microsoft.com/office/drawing/2014/main" id="{D0B11FE1-821C-E8A4-4FA5-16C470511530}"/>
               </a:ext>
             </a:extLst>
           </p:cNvPr>
@@ -1396,7 +1396,7 @@
           <a:bodyPr/>
           <a:lstStyle/>
           <a:p>
-            <a:fld id="{6A584206-A3AA-4BA5-9997-157E8D55ED0B}" type="datetimeFigureOut">
+            <a:fld id="{7EE644C3-BB67-403E-B0DE-C23AA19B76BA}" type="datetimeFigureOut">
               <a:rPr lang="zh-CN" altLang="en-US" smtClean="0"/>
               <a:t>2024/3/10</a:t>
             </a:fld>
@@ -1409,7 +1409,7 @@
           <p:cNvPr id="6" name="页脚占位符 5">
             <a:extLst>
               <a:ext uri="{FF2B5EF4-FFF2-40B4-BE49-F238E27FC236}">
-                <a16:creationId xmlns:a16="http://schemas.microsoft.com/office/drawing/2014/main" id="{19241FAE-CACA-8528-EBA7-E1FABDF4CF99}"/>
+                <a16:creationId xmlns:a16="http://schemas.microsoft.com/office/drawing/2014/main" id="{D14947F5-980D-3A9D-B056-47A46D195295}"/>
               </a:ext>
             </a:extLst>
           </p:cNvPr>
@@ -1434,7 +1434,7 @@
           <p:cNvPr id="7" name="灯片编号占位符 6">
             <a:extLst>
               <a:ext uri="{FF2B5EF4-FFF2-40B4-BE49-F238E27FC236}">
-                <a16:creationId xmlns:a16="http://schemas.microsoft.com/office/drawing/2014/main" id="{8BBE7F21-6986-7B7D-0B0E-AF2BFBA33B06}"/>
+                <a16:creationId xmlns:a16="http://schemas.microsoft.com/office/drawing/2014/main" id="{61D13B1F-1DBD-A5FA-DBA6-C3EB2F8BE330}"/>
               </a:ext>
             </a:extLst>
           </p:cNvPr>
@@ -1450,7 +1450,7 @@
           <a:bodyPr/>
           <a:lstStyle/>
           <a:p>
-            <a:fld id="{523BE4B5-EFF1-41EC-AE6A-F0E44DDCA253}" type="slidenum">
+            <a:fld id="{0BC9BB58-9062-490A-8B61-ED95DCEE6E41}" type="slidenum">
               <a:rPr lang="zh-CN" altLang="en-US" smtClean="0"/>
               <a:t>‹#›</a:t>
             </a:fld>
@@ -1461,7 +1461,7 @@
     </p:spTree>
     <p:extLst>
       <p:ext uri="{BB962C8B-B14F-4D97-AF65-F5344CB8AC3E}">
-        <p14:creationId xmlns:p14="http://schemas.microsoft.com/office/powerpoint/2010/main" val="860177573"/>
+        <p14:creationId xmlns:p14="http://schemas.microsoft.com/office/powerpoint/2010/main" val="2191696007"/>
       </p:ext>
     </p:extLst>
   </p:cSld>
@@ -1493,7 +1493,7 @@
           <p:cNvPr id="2" name="标题 1">
             <a:extLst>
               <a:ext uri="{FF2B5EF4-FFF2-40B4-BE49-F238E27FC236}">
-                <a16:creationId xmlns:a16="http://schemas.microsoft.com/office/drawing/2014/main" id="{89EA31D9-B004-0319-F7F8-633DC16FBFC6}"/>
+                <a16:creationId xmlns:a16="http://schemas.microsoft.com/office/drawing/2014/main" id="{FBD39AC3-D179-5AD1-7B2C-BE83FE41BF3D}"/>
               </a:ext>
             </a:extLst>
           </p:cNvPr>
@@ -1526,7 +1526,7 @@
           <p:cNvPr id="3" name="文本占位符 2">
             <a:extLst>
               <a:ext uri="{FF2B5EF4-FFF2-40B4-BE49-F238E27FC236}">
-                <a16:creationId xmlns:a16="http://schemas.microsoft.com/office/drawing/2014/main" id="{82882AEF-05AB-A798-80F8-F87F5DD945F3}"/>
+                <a16:creationId xmlns:a16="http://schemas.microsoft.com/office/drawing/2014/main" id="{5C202567-974A-8E74-F700-5385958449AE}"/>
               </a:ext>
             </a:extLst>
           </p:cNvPr>
@@ -1597,7 +1597,7 @@
           <p:cNvPr id="4" name="内容占位符 3">
             <a:extLst>
               <a:ext uri="{FF2B5EF4-FFF2-40B4-BE49-F238E27FC236}">
-                <a16:creationId xmlns:a16="http://schemas.microsoft.com/office/drawing/2014/main" id="{0FACC87E-1488-8AE1-638E-4D438F87AC53}"/>
+                <a16:creationId xmlns:a16="http://schemas.microsoft.com/office/drawing/2014/main" id="{44B46C7F-B552-26FB-DEF3-0C5CA578DDB6}"/>
               </a:ext>
             </a:extLst>
           </p:cNvPr>
@@ -1659,7 +1659,7 @@
           <p:cNvPr id="5" name="文本占位符 4">
             <a:extLst>
               <a:ext uri="{FF2B5EF4-FFF2-40B4-BE49-F238E27FC236}">
-                <a16:creationId xmlns:a16="http://schemas.microsoft.com/office/drawing/2014/main" id="{1C274565-6702-FB00-E5BD-F60D11D4DBD1}"/>
+                <a16:creationId xmlns:a16="http://schemas.microsoft.com/office/drawing/2014/main" id="{1DF94FDF-E499-4FC9-EE1A-5035DD70FEC5}"/>
               </a:ext>
             </a:extLst>
           </p:cNvPr>
@@ -1730,7 +1730,7 @@
           <p:cNvPr id="6" name="内容占位符 5">
             <a:extLst>
               <a:ext uri="{FF2B5EF4-FFF2-40B4-BE49-F238E27FC236}">
-                <a16:creationId xmlns:a16="http://schemas.microsoft.com/office/drawing/2014/main" id="{19A313FD-2B2D-E32D-BD6F-7E3693C56059}"/>
+                <a16:creationId xmlns:a16="http://schemas.microsoft.com/office/drawing/2014/main" id="{DDCA4708-B174-0A1F-D040-13457159257C}"/>
               </a:ext>
             </a:extLst>
           </p:cNvPr>
@@ -1792,7 +1792,7 @@
           <p:cNvPr id="7" name="日期占位符 6">
             <a:extLst>
               <a:ext uri="{FF2B5EF4-FFF2-40B4-BE49-F238E27FC236}">
-                <a16:creationId xmlns:a16="http://schemas.microsoft.com/office/drawing/2014/main" id="{DAF5ED4E-6E5D-E550-8B4E-BDDE95DDD401}"/>
+                <a16:creationId xmlns:a16="http://schemas.microsoft.com/office/drawing/2014/main" id="{665375B4-A5F6-BD07-861C-AFC7C1DAF21F}"/>
               </a:ext>
             </a:extLst>
           </p:cNvPr>
@@ -1808,7 +1808,7 @@
           <a:bodyPr/>
           <a:lstStyle/>
           <a:p>
-            <a:fld id="{6A584206-A3AA-4BA5-9997-157E8D55ED0B}" type="datetimeFigureOut">
+            <a:fld id="{7EE644C3-BB67-403E-B0DE-C23AA19B76BA}" type="datetimeFigureOut">
               <a:rPr lang="zh-CN" altLang="en-US" smtClean="0"/>
               <a:t>2024/3/10</a:t>
             </a:fld>
@@ -1821,7 +1821,7 @@
           <p:cNvPr id="8" name="页脚占位符 7">
             <a:extLst>
               <a:ext uri="{FF2B5EF4-FFF2-40B4-BE49-F238E27FC236}">
-                <a16:creationId xmlns:a16="http://schemas.microsoft.com/office/drawing/2014/main" id="{24AC12C4-CAFD-E37F-2243-0F035E6A1434}"/>
+                <a16:creationId xmlns:a16="http://schemas.microsoft.com/office/drawing/2014/main" id="{BF29A5E0-F13C-6A48-3761-FAE7C7DE99E4}"/>
               </a:ext>
             </a:extLst>
           </p:cNvPr>
@@ -1846,7 +1846,7 @@
           <p:cNvPr id="9" name="灯片编号占位符 8">
             <a:extLst>
               <a:ext uri="{FF2B5EF4-FFF2-40B4-BE49-F238E27FC236}">
-                <a16:creationId xmlns:a16="http://schemas.microsoft.com/office/drawing/2014/main" id="{DCC22EC2-6086-AB38-BD00-4EA0F5F5A266}"/>
+                <a16:creationId xmlns:a16="http://schemas.microsoft.com/office/drawing/2014/main" id="{5C3C2121-FD18-7F61-C187-F5244559A84D}"/>
               </a:ext>
             </a:extLst>
           </p:cNvPr>
@@ -1862,7 +1862,7 @@
           <a:bodyPr/>
           <a:lstStyle/>
           <a:p>
-            <a:fld id="{523BE4B5-EFF1-41EC-AE6A-F0E44DDCA253}" type="slidenum">
+            <a:fld id="{0BC9BB58-9062-490A-8B61-ED95DCEE6E41}" type="slidenum">
               <a:rPr lang="zh-CN" altLang="en-US" smtClean="0"/>
               <a:t>‹#›</a:t>
             </a:fld>
@@ -1873,7 +1873,7 @@
     </p:spTree>
     <p:extLst>
       <p:ext uri="{BB962C8B-B14F-4D97-AF65-F5344CB8AC3E}">
-        <p14:creationId xmlns:p14="http://schemas.microsoft.com/office/powerpoint/2010/main" val="2063526638"/>
+        <p14:creationId xmlns:p14="http://schemas.microsoft.com/office/powerpoint/2010/main" val="2542626132"/>
       </p:ext>
     </p:extLst>
   </p:cSld>
@@ -1905,7 +1905,7 @@
           <p:cNvPr id="2" name="标题 1">
             <a:extLst>
               <a:ext uri="{FF2B5EF4-FFF2-40B4-BE49-F238E27FC236}">
-                <a16:creationId xmlns:a16="http://schemas.microsoft.com/office/drawing/2014/main" id="{C00D69BF-5486-F040-D330-22FE10C3EEF7}"/>
+                <a16:creationId xmlns:a16="http://schemas.microsoft.com/office/drawing/2014/main" id="{B3FDB0AB-65E4-7DBC-58D2-035317775D4B}"/>
               </a:ext>
             </a:extLst>
           </p:cNvPr>
@@ -1933,7 +1933,7 @@
           <p:cNvPr id="3" name="日期占位符 2">
             <a:extLst>
               <a:ext uri="{FF2B5EF4-FFF2-40B4-BE49-F238E27FC236}">
-                <a16:creationId xmlns:a16="http://schemas.microsoft.com/office/drawing/2014/main" id="{70B068CD-1B74-BDF6-6C03-71B1EC63B19F}"/>
+                <a16:creationId xmlns:a16="http://schemas.microsoft.com/office/drawing/2014/main" id="{B2EEDC87-E1FE-58E8-D78B-4ADA707E3937}"/>
               </a:ext>
             </a:extLst>
           </p:cNvPr>
@@ -1949,7 +1949,7 @@
           <a:bodyPr/>
           <a:lstStyle/>
           <a:p>
-            <a:fld id="{6A584206-A3AA-4BA5-9997-157E8D55ED0B}" type="datetimeFigureOut">
+            <a:fld id="{7EE644C3-BB67-403E-B0DE-C23AA19B76BA}" type="datetimeFigureOut">
               <a:rPr lang="zh-CN" altLang="en-US" smtClean="0"/>
               <a:t>2024/3/10</a:t>
             </a:fld>
@@ -1962,7 +1962,7 @@
           <p:cNvPr id="4" name="页脚占位符 3">
             <a:extLst>
               <a:ext uri="{FF2B5EF4-FFF2-40B4-BE49-F238E27FC236}">
-                <a16:creationId xmlns:a16="http://schemas.microsoft.com/office/drawing/2014/main" id="{EBA1CBB9-8F90-81C8-9F9E-DF0D2F6385D1}"/>
+                <a16:creationId xmlns:a16="http://schemas.microsoft.com/office/drawing/2014/main" id="{88014C73-27D5-7147-A9CE-EE5568758765}"/>
               </a:ext>
             </a:extLst>
           </p:cNvPr>
@@ -1987,7 +1987,7 @@
           <p:cNvPr id="5" name="灯片编号占位符 4">
             <a:extLst>
               <a:ext uri="{FF2B5EF4-FFF2-40B4-BE49-F238E27FC236}">
-                <a16:creationId xmlns:a16="http://schemas.microsoft.com/office/drawing/2014/main" id="{72A5A669-5119-B0BA-44D4-4AED7C6A236A}"/>
+                <a16:creationId xmlns:a16="http://schemas.microsoft.com/office/drawing/2014/main" id="{AEA1A2F2-31C8-8100-7A8B-E5366A8FB75A}"/>
               </a:ext>
             </a:extLst>
           </p:cNvPr>
@@ -2003,7 +2003,7 @@
           <a:bodyPr/>
           <a:lstStyle/>
           <a:p>
-            <a:fld id="{523BE4B5-EFF1-41EC-AE6A-F0E44DDCA253}" type="slidenum">
+            <a:fld id="{0BC9BB58-9062-490A-8B61-ED95DCEE6E41}" type="slidenum">
               <a:rPr lang="zh-CN" altLang="en-US" smtClean="0"/>
               <a:t>‹#›</a:t>
             </a:fld>
@@ -2014,7 +2014,7 @@
     </p:spTree>
     <p:extLst>
       <p:ext uri="{BB962C8B-B14F-4D97-AF65-F5344CB8AC3E}">
-        <p14:creationId xmlns:p14="http://schemas.microsoft.com/office/powerpoint/2010/main" val="2105703922"/>
+        <p14:creationId xmlns:p14="http://schemas.microsoft.com/office/powerpoint/2010/main" val="3495498642"/>
       </p:ext>
     </p:extLst>
   </p:cSld>
@@ -2046,7 +2046,7 @@
           <p:cNvPr id="2" name="日期占位符 1">
             <a:extLst>
               <a:ext uri="{FF2B5EF4-FFF2-40B4-BE49-F238E27FC236}">
-                <a16:creationId xmlns:a16="http://schemas.microsoft.com/office/drawing/2014/main" id="{287C4486-5201-A92D-31E4-45D59C2CE2E2}"/>
+                <a16:creationId xmlns:a16="http://schemas.microsoft.com/office/drawing/2014/main" id="{77120BED-235B-301C-D9ED-C8141034FE4D}"/>
               </a:ext>
             </a:extLst>
           </p:cNvPr>
@@ -2062,7 +2062,7 @@
           <a:bodyPr/>
           <a:lstStyle/>
           <a:p>
-            <a:fld id="{6A584206-A3AA-4BA5-9997-157E8D55ED0B}" type="datetimeFigureOut">
+            <a:fld id="{7EE644C3-BB67-403E-B0DE-C23AA19B76BA}" type="datetimeFigureOut">
               <a:rPr lang="zh-CN" altLang="en-US" smtClean="0"/>
               <a:t>2024/3/10</a:t>
             </a:fld>
@@ -2075,7 +2075,7 @@
           <p:cNvPr id="3" name="页脚占位符 2">
             <a:extLst>
               <a:ext uri="{FF2B5EF4-FFF2-40B4-BE49-F238E27FC236}">
-                <a16:creationId xmlns:a16="http://schemas.microsoft.com/office/drawing/2014/main" id="{216D0CFC-EF7C-FFAD-D0ED-51406886FC5F}"/>
+                <a16:creationId xmlns:a16="http://schemas.microsoft.com/office/drawing/2014/main" id="{5A0EBA4E-73D6-0EA7-2DB0-008FEDB1603F}"/>
               </a:ext>
             </a:extLst>
           </p:cNvPr>
@@ -2100,7 +2100,7 @@
           <p:cNvPr id="4" name="灯片编号占位符 3">
             <a:extLst>
               <a:ext uri="{FF2B5EF4-FFF2-40B4-BE49-F238E27FC236}">
-                <a16:creationId xmlns:a16="http://schemas.microsoft.com/office/drawing/2014/main" id="{8C2E8AF1-1831-7166-6011-AA79CB37F342}"/>
+                <a16:creationId xmlns:a16="http://schemas.microsoft.com/office/drawing/2014/main" id="{13DA5E7C-43D1-580F-3011-7FC5E3357856}"/>
               </a:ext>
             </a:extLst>
           </p:cNvPr>
@@ -2116,7 +2116,7 @@
           <a:bodyPr/>
           <a:lstStyle/>
           <a:p>
-            <a:fld id="{523BE4B5-EFF1-41EC-AE6A-F0E44DDCA253}" type="slidenum">
+            <a:fld id="{0BC9BB58-9062-490A-8B61-ED95DCEE6E41}" type="slidenum">
               <a:rPr lang="zh-CN" altLang="en-US" smtClean="0"/>
               <a:t>‹#›</a:t>
             </a:fld>
@@ -2127,7 +2127,7 @@
     </p:spTree>
     <p:extLst>
       <p:ext uri="{BB962C8B-B14F-4D97-AF65-F5344CB8AC3E}">
-        <p14:creationId xmlns:p14="http://schemas.microsoft.com/office/powerpoint/2010/main" val="1001317063"/>
+        <p14:creationId xmlns:p14="http://schemas.microsoft.com/office/powerpoint/2010/main" val="1055623059"/>
       </p:ext>
     </p:extLst>
   </p:cSld>
@@ -2159,7 +2159,7 @@
           <p:cNvPr id="2" name="标题 1">
             <a:extLst>
               <a:ext uri="{FF2B5EF4-FFF2-40B4-BE49-F238E27FC236}">
-                <a16:creationId xmlns:a16="http://schemas.microsoft.com/office/drawing/2014/main" id="{39E8C7B2-9553-4863-758C-73A3CDC363DD}"/>
+                <a16:creationId xmlns:a16="http://schemas.microsoft.com/office/drawing/2014/main" id="{6AC18A80-A5DB-C7DF-C498-BF036DF8C142}"/>
               </a:ext>
             </a:extLst>
           </p:cNvPr>
@@ -2196,7 +2196,7 @@
           <p:cNvPr id="3" name="内容占位符 2">
             <a:extLst>
               <a:ext uri="{FF2B5EF4-FFF2-40B4-BE49-F238E27FC236}">
-                <a16:creationId xmlns:a16="http://schemas.microsoft.com/office/drawing/2014/main" id="{9691B544-B161-88EE-FFA1-EDA6BBFAAC55}"/>
+                <a16:creationId xmlns:a16="http://schemas.microsoft.com/office/drawing/2014/main" id="{82A5067E-2CD9-B63C-375E-F19CB2E01681}"/>
               </a:ext>
             </a:extLst>
           </p:cNvPr>
@@ -2286,7 +2286,7 @@
           <p:cNvPr id="4" name="文本占位符 3">
             <a:extLst>
               <a:ext uri="{FF2B5EF4-FFF2-40B4-BE49-F238E27FC236}">
-                <a16:creationId xmlns:a16="http://schemas.microsoft.com/office/drawing/2014/main" id="{57903D6A-E926-FD1E-0DD8-85055C349140}"/>
+                <a16:creationId xmlns:a16="http://schemas.microsoft.com/office/drawing/2014/main" id="{306ABDEA-DB55-4CF8-C575-19D9A32C08DF}"/>
               </a:ext>
             </a:extLst>
           </p:cNvPr>
@@ -2357,7 +2357,7 @@
           <p:cNvPr id="5" name="日期占位符 4">
             <a:extLst>
               <a:ext uri="{FF2B5EF4-FFF2-40B4-BE49-F238E27FC236}">
-                <a16:creationId xmlns:a16="http://schemas.microsoft.com/office/drawing/2014/main" id="{8639F35F-FF45-7562-3B20-BEDAE9238117}"/>
+                <a16:creationId xmlns:a16="http://schemas.microsoft.com/office/drawing/2014/main" id="{9DBF3BBC-E5CE-7EFC-F1EB-6B40AEF2E407}"/>
               </a:ext>
             </a:extLst>
           </p:cNvPr>
@@ -2373,7 +2373,7 @@
           <a:bodyPr/>
           <a:lstStyle/>
           <a:p>
-            <a:fld id="{6A584206-A3AA-4BA5-9997-157E8D55ED0B}" type="datetimeFigureOut">
+            <a:fld id="{7EE644C3-BB67-403E-B0DE-C23AA19B76BA}" type="datetimeFigureOut">
               <a:rPr lang="zh-CN" altLang="en-US" smtClean="0"/>
               <a:t>2024/3/10</a:t>
             </a:fld>
@@ -2386,7 +2386,7 @@
           <p:cNvPr id="6" name="页脚占位符 5">
             <a:extLst>
               <a:ext uri="{FF2B5EF4-FFF2-40B4-BE49-F238E27FC236}">
-                <a16:creationId xmlns:a16="http://schemas.microsoft.com/office/drawing/2014/main" id="{7836D971-3856-B5CB-7523-A6654BC22031}"/>
+                <a16:creationId xmlns:a16="http://schemas.microsoft.com/office/drawing/2014/main" id="{94C17CFA-FB3F-1EF2-128F-14FF20393986}"/>
               </a:ext>
             </a:extLst>
           </p:cNvPr>
@@ -2411,7 +2411,7 @@
           <p:cNvPr id="7" name="灯片编号占位符 6">
             <a:extLst>
               <a:ext uri="{FF2B5EF4-FFF2-40B4-BE49-F238E27FC236}">
-                <a16:creationId xmlns:a16="http://schemas.microsoft.com/office/drawing/2014/main" id="{6721999F-3BB8-C5D6-7654-ABD4A6C50964}"/>
+                <a16:creationId xmlns:a16="http://schemas.microsoft.com/office/drawing/2014/main" id="{71CB040E-4F9F-2F4A-E5DB-390BDD8C1D18}"/>
               </a:ext>
             </a:extLst>
           </p:cNvPr>
@@ -2427,7 +2427,7 @@
           <a:bodyPr/>
           <a:lstStyle/>
           <a:p>
-            <a:fld id="{523BE4B5-EFF1-41EC-AE6A-F0E44DDCA253}" type="slidenum">
+            <a:fld id="{0BC9BB58-9062-490A-8B61-ED95DCEE6E41}" type="slidenum">
               <a:rPr lang="zh-CN" altLang="en-US" smtClean="0"/>
               <a:t>‹#›</a:t>
             </a:fld>
@@ -2438,7 +2438,7 @@
     </p:spTree>
     <p:extLst>
       <p:ext uri="{BB962C8B-B14F-4D97-AF65-F5344CB8AC3E}">
-        <p14:creationId xmlns:p14="http://schemas.microsoft.com/office/powerpoint/2010/main" val="3602143172"/>
+        <p14:creationId xmlns:p14="http://schemas.microsoft.com/office/powerpoint/2010/main" val="323511260"/>
       </p:ext>
     </p:extLst>
   </p:cSld>
@@ -2470,7 +2470,7 @@
           <p:cNvPr id="2" name="标题 1">
             <a:extLst>
               <a:ext uri="{FF2B5EF4-FFF2-40B4-BE49-F238E27FC236}">
-                <a16:creationId xmlns:a16="http://schemas.microsoft.com/office/drawing/2014/main" id="{074FCA1A-1622-B52F-7659-6E5C0AECD8B3}"/>
+                <a16:creationId xmlns:a16="http://schemas.microsoft.com/office/drawing/2014/main" id="{3C23AB84-728E-8897-5DB2-A0F8A7463B4F}"/>
               </a:ext>
             </a:extLst>
           </p:cNvPr>
@@ -2507,7 +2507,7 @@
           <p:cNvPr id="3" name="图片占位符 2">
             <a:extLst>
               <a:ext uri="{FF2B5EF4-FFF2-40B4-BE49-F238E27FC236}">
-                <a16:creationId xmlns:a16="http://schemas.microsoft.com/office/drawing/2014/main" id="{D51BDB6E-E727-3068-B4EF-63453CBB45A9}"/>
+                <a16:creationId xmlns:a16="http://schemas.microsoft.com/office/drawing/2014/main" id="{37B5A84F-E8B1-B8FC-0E39-C04B3EF77A6E}"/>
               </a:ext>
             </a:extLst>
           </p:cNvPr>
@@ -2574,7 +2574,7 @@
           <p:cNvPr id="4" name="文本占位符 3">
             <a:extLst>
               <a:ext uri="{FF2B5EF4-FFF2-40B4-BE49-F238E27FC236}">
-                <a16:creationId xmlns:a16="http://schemas.microsoft.com/office/drawing/2014/main" id="{E94B220E-CFA6-480E-C651-B4E40E043E23}"/>
+                <a16:creationId xmlns:a16="http://schemas.microsoft.com/office/drawing/2014/main" id="{F604981C-FE9B-EBD6-CDAA-3B3283005208}"/>
               </a:ext>
             </a:extLst>
           </p:cNvPr>
@@ -2645,7 +2645,7 @@
           <p:cNvPr id="5" name="日期占位符 4">
             <a:extLst>
               <a:ext uri="{FF2B5EF4-FFF2-40B4-BE49-F238E27FC236}">
-                <a16:creationId xmlns:a16="http://schemas.microsoft.com/office/drawing/2014/main" id="{FC1D3721-A79C-591F-38D0-AFD4E9D9C99B}"/>
+                <a16:creationId xmlns:a16="http://schemas.microsoft.com/office/drawing/2014/main" id="{AB0F78AA-D9E7-AC32-E05C-9830040D4F06}"/>
               </a:ext>
             </a:extLst>
           </p:cNvPr>
@@ -2661,7 +2661,7 @@
           <a:bodyPr/>
           <a:lstStyle/>
           <a:p>
-            <a:fld id="{6A584206-A3AA-4BA5-9997-157E8D55ED0B}" type="datetimeFigureOut">
+            <a:fld id="{7EE644C3-BB67-403E-B0DE-C23AA19B76BA}" type="datetimeFigureOut">
               <a:rPr lang="zh-CN" altLang="en-US" smtClean="0"/>
               <a:t>2024/3/10</a:t>
             </a:fld>
@@ -2674,7 +2674,7 @@
           <p:cNvPr id="6" name="页脚占位符 5">
             <a:extLst>
               <a:ext uri="{FF2B5EF4-FFF2-40B4-BE49-F238E27FC236}">
-                <a16:creationId xmlns:a16="http://schemas.microsoft.com/office/drawing/2014/main" id="{B755D11C-58D4-ECCC-0CE1-4A74FA9CB255}"/>
+                <a16:creationId xmlns:a16="http://schemas.microsoft.com/office/drawing/2014/main" id="{DD5E6F4E-94E1-F3B6-224C-C97A5C02BAB4}"/>
               </a:ext>
             </a:extLst>
           </p:cNvPr>
@@ -2699,7 +2699,7 @@
           <p:cNvPr id="7" name="灯片编号占位符 6">
             <a:extLst>
               <a:ext uri="{FF2B5EF4-FFF2-40B4-BE49-F238E27FC236}">
-                <a16:creationId xmlns:a16="http://schemas.microsoft.com/office/drawing/2014/main" id="{3BB002AD-583C-F486-3916-105183C970AE}"/>
+                <a16:creationId xmlns:a16="http://schemas.microsoft.com/office/drawing/2014/main" id="{42AECAF9-261F-9DA6-254C-8948FA9C1E8A}"/>
               </a:ext>
             </a:extLst>
           </p:cNvPr>
@@ -2715,7 +2715,7 @@
           <a:bodyPr/>
           <a:lstStyle/>
           <a:p>
-            <a:fld id="{523BE4B5-EFF1-41EC-AE6A-F0E44DDCA253}" type="slidenum">
+            <a:fld id="{0BC9BB58-9062-490A-8B61-ED95DCEE6E41}" type="slidenum">
               <a:rPr lang="zh-CN" altLang="en-US" smtClean="0"/>
               <a:t>‹#›</a:t>
             </a:fld>
@@ -2726,7 +2726,7 @@
     </p:spTree>
     <p:extLst>
       <p:ext uri="{BB962C8B-B14F-4D97-AF65-F5344CB8AC3E}">
-        <p14:creationId xmlns:p14="http://schemas.microsoft.com/office/powerpoint/2010/main" val="3390943058"/>
+        <p14:creationId xmlns:p14="http://schemas.microsoft.com/office/powerpoint/2010/main" val="1518171715"/>
       </p:ext>
     </p:extLst>
   </p:cSld>
@@ -2763,7 +2763,7 @@
           <p:cNvPr id="2" name="标题占位符 1">
             <a:extLst>
               <a:ext uri="{FF2B5EF4-FFF2-40B4-BE49-F238E27FC236}">
-                <a16:creationId xmlns:a16="http://schemas.microsoft.com/office/drawing/2014/main" id="{742583E5-7C26-5B10-CCD8-9B54E8F79FF7}"/>
+                <a16:creationId xmlns:a16="http://schemas.microsoft.com/office/drawing/2014/main" id="{5A8F1314-B450-D242-F7B8-42D44FA475D1}"/>
               </a:ext>
             </a:extLst>
           </p:cNvPr>
@@ -2801,7 +2801,7 @@
           <p:cNvPr id="3" name="文本占位符 2">
             <a:extLst>
               <a:ext uri="{FF2B5EF4-FFF2-40B4-BE49-F238E27FC236}">
-                <a16:creationId xmlns:a16="http://schemas.microsoft.com/office/drawing/2014/main" id="{E978B485-3985-C2C7-D463-B261370BBD19}"/>
+                <a16:creationId xmlns:a16="http://schemas.microsoft.com/office/drawing/2014/main" id="{B27A9D62-3AB6-25B3-6E1E-87768F704FDC}"/>
               </a:ext>
             </a:extLst>
           </p:cNvPr>
@@ -2868,7 +2868,7 @@
           <p:cNvPr id="4" name="日期占位符 3">
             <a:extLst>
               <a:ext uri="{FF2B5EF4-FFF2-40B4-BE49-F238E27FC236}">
-                <a16:creationId xmlns:a16="http://schemas.microsoft.com/office/drawing/2014/main" id="{3F4A1F63-AB39-C38A-27D0-C2D53CFB76A0}"/>
+                <a16:creationId xmlns:a16="http://schemas.microsoft.com/office/drawing/2014/main" id="{AA3E221F-D7A0-8ED9-60CF-0EAB44A8193F}"/>
               </a:ext>
             </a:extLst>
           </p:cNvPr>
@@ -2902,7 +2902,7 @@
             </a:lvl1pPr>
           </a:lstStyle>
           <a:p>
-            <a:fld id="{6A584206-A3AA-4BA5-9997-157E8D55ED0B}" type="datetimeFigureOut">
+            <a:fld id="{7EE644C3-BB67-403E-B0DE-C23AA19B76BA}" type="datetimeFigureOut">
               <a:rPr lang="zh-CN" altLang="en-US" smtClean="0"/>
               <a:t>2024/3/10</a:t>
             </a:fld>
@@ -2915,7 +2915,7 @@
           <p:cNvPr id="5" name="页脚占位符 4">
             <a:extLst>
               <a:ext uri="{FF2B5EF4-FFF2-40B4-BE49-F238E27FC236}">
-                <a16:creationId xmlns:a16="http://schemas.microsoft.com/office/drawing/2014/main" id="{FA3E8172-7A42-EBB5-5EC9-4DF03DC292CB}"/>
+                <a16:creationId xmlns:a16="http://schemas.microsoft.com/office/drawing/2014/main" id="{20D52363-91E3-F3D8-8DF4-F9D47839AC4B}"/>
               </a:ext>
             </a:extLst>
           </p:cNvPr>
@@ -2958,7 +2958,7 @@
           <p:cNvPr id="6" name="灯片编号占位符 5">
             <a:extLst>
               <a:ext uri="{FF2B5EF4-FFF2-40B4-BE49-F238E27FC236}">
-                <a16:creationId xmlns:a16="http://schemas.microsoft.com/office/drawing/2014/main" id="{0FD5B5D2-1BC2-2F5E-3DDB-6B6D0C972ECC}"/>
+                <a16:creationId xmlns:a16="http://schemas.microsoft.com/office/drawing/2014/main" id="{16FF0BAF-A56E-620B-C200-395950F97B21}"/>
               </a:ext>
             </a:extLst>
           </p:cNvPr>
@@ -2992,7 +2992,7 @@
             </a:lvl1pPr>
           </a:lstStyle>
           <a:p>
-            <a:fld id="{523BE4B5-EFF1-41EC-AE6A-F0E44DDCA253}" type="slidenum">
+            <a:fld id="{0BC9BB58-9062-490A-8B61-ED95DCEE6E41}" type="slidenum">
               <a:rPr lang="zh-CN" altLang="en-US" smtClean="0"/>
               <a:t>‹#›</a:t>
             </a:fld>
@@ -3003,7 +3003,7 @@
     </p:spTree>
     <p:extLst>
       <p:ext uri="{BB962C8B-B14F-4D97-AF65-F5344CB8AC3E}">
-        <p14:creationId xmlns:p14="http://schemas.microsoft.com/office/powerpoint/2010/main" val="2334289215"/>
+        <p14:creationId xmlns:p14="http://schemas.microsoft.com/office/powerpoint/2010/main" val="3824840591"/>
       </p:ext>
     </p:extLst>
   </p:cSld>
@@ -3323,7 +3323,7 @@
       </p:grpSpPr>
       <p:pic>
         <p:nvPicPr>
-          <p:cNvPr id="1150978" name="Picture 2" descr="1123"/>
+          <p:cNvPr id="1152002" name="Picture 2" descr="1124"/>
           <p:cNvPicPr>
             <a:picLocks noChangeAspect="1" noChangeArrowheads="1"/>
           </p:cNvPicPr>
@@ -3344,8 +3344,8 @@
         </p:blipFill>
         <p:spPr bwMode="auto">
           <a:xfrm>
-            <a:off x="1524000" y="1"/>
-            <a:ext cx="9144000" cy="6092825"/>
+            <a:off x="1560513" y="0"/>
+            <a:ext cx="9124950" cy="6845300"/>
           </a:xfrm>
           <a:prstGeom prst="rect">
             <a:avLst/>
@@ -3377,7 +3377,7 @@
       </p:pic>
       <p:pic>
         <p:nvPicPr>
-          <p:cNvPr id="1152003" name="Picture 3" descr="1123-2"/>
+          <p:cNvPr id="1153027" name="Picture 3" descr="1124-2"/>
           <p:cNvPicPr>
             <a:picLocks noChangeAspect="1" noChangeArrowheads="1"/>
           </p:cNvPicPr>
@@ -3398,8 +3398,8 @@
         </p:blipFill>
         <p:spPr bwMode="auto">
           <a:xfrm>
-            <a:off x="1524000" y="1"/>
-            <a:ext cx="9144000" cy="6308725"/>
+            <a:off x="1524000" y="1589"/>
+            <a:ext cx="9144000" cy="6859587"/>
           </a:xfrm>
           <a:prstGeom prst="rect">
             <a:avLst/>
@@ -3478,7 +3478,7 @@
                                           </p:stCondLst>
                                         </p:cTn>
                                         <p:tgtEl>
-                                          <p:spTgt spid="1152003"/>
+                                          <p:spTgt spid="1153027"/>
                                         </p:tgtEl>
                                         <p:attrNameLst>
                                           <p:attrName>style.visibility</p:attrName>
@@ -3492,7 +3492,7 @@
                                       <p:cBhvr>
                                         <p:cTn id="7" dur="500"/>
                                         <p:tgtEl>
-                                          <p:spTgt spid="1152003"/>
+                                          <p:spTgt spid="1153027"/>
                                         </p:tgtEl>
                                       </p:cBhvr>
                                     </p:animEffect>
